--- a/DeepLearning-Sebratec-S02.pptx
+++ b/DeepLearning-Sebratec-S02.pptx
@@ -35,16 +35,19 @@
     <p:sldId id="280" r:id="rId30"/>
     <p:sldId id="281" r:id="rId31"/>
     <p:sldId id="282" r:id="rId32"/>
+    <p:sldId id="283" r:id="rId33"/>
+    <p:sldId id="284" r:id="rId34"/>
+    <p:sldId id="285" r:id="rId35"/>
   </p:sldIdLst>
   <p:sldSz cy="5143500" cx="9144000"/>
   <p:notesSz cx="6858000" cy="9144000"/>
   <p:embeddedFontLst>
     <p:embeddedFont>
       <p:font typeface="Roboto"/>
-      <p:regular r:id="rId33"/>
-      <p:bold r:id="rId34"/>
-      <p:italic r:id="rId35"/>
-      <p:boldItalic r:id="rId36"/>
+      <p:regular r:id="rId36"/>
+      <p:bold r:id="rId37"/>
+      <p:italic r:id="rId38"/>
+      <p:boldItalic r:id="rId39"/>
     </p:embeddedFont>
   </p:embeddedFontLst>
   <p:defaultTextStyle>
@@ -3190,7 +3193,7 @@
       </p:grpSpPr>
       <p:sp>
         <p:nvSpPr>
-          <p:cNvPr id="363" name="Google Shape;363;g7efca33740_0_95:notes"/>
+          <p:cNvPr id="363" name="Google Shape;363;g7efebd9989_0_0:notes"/>
           <p:cNvSpPr/>
           <p:nvPr>
             <p:ph idx="2" type="sldImg"/>
@@ -3225,7 +3228,7 @@
       </p:sp>
       <p:sp>
         <p:nvSpPr>
-          <p:cNvPr id="364" name="Google Shape;364;g7efca33740_0_95:notes"/>
+          <p:cNvPr id="364" name="Google Shape;364;g7efebd9989_0_0:notes"/>
           <p:cNvSpPr txBox="1"/>
           <p:nvPr>
             <p:ph idx="1" type="body"/>
@@ -3275,7 +3278,7 @@
   <p:cSld>
     <p:spTree>
       <p:nvGrpSpPr>
-        <p:cNvPr id="368" name="Shape 368"/>
+        <p:cNvPr id="369" name="Shape 369"/>
         <p:cNvGrpSpPr/>
         <p:nvPr/>
       </p:nvGrpSpPr>
@@ -3289,7 +3292,7 @@
       </p:grpSpPr>
       <p:sp>
         <p:nvSpPr>
-          <p:cNvPr id="369" name="Google Shape;369;g7efca33740_0_109:notes"/>
+          <p:cNvPr id="370" name="Google Shape;370;g7efebd9989_0_11:notes"/>
           <p:cNvSpPr/>
           <p:nvPr>
             <p:ph idx="2" type="sldImg"/>
@@ -3324,7 +3327,205 @@
       </p:sp>
       <p:sp>
         <p:nvSpPr>
-          <p:cNvPr id="370" name="Google Shape;370;g7efca33740_0_109:notes"/>
+          <p:cNvPr id="371" name="Google Shape;371;g7efebd9989_0_11:notes"/>
+          <p:cNvSpPr txBox="1"/>
+          <p:nvPr>
+            <p:ph idx="1" type="body"/>
+          </p:nvPr>
+        </p:nvSpPr>
+        <p:spPr>
+          <a:xfrm>
+            <a:off x="685800" y="4343400"/>
+            <a:ext cx="5486400" cy="4114800"/>
+          </a:xfrm>
+          <a:prstGeom prst="rect">
+            <a:avLst/>
+          </a:prstGeom>
+        </p:spPr>
+        <p:txBody>
+          <a:bodyPr anchorCtr="0" anchor="t" bIns="91425" lIns="91425" spcFirstLastPara="1" rIns="91425" wrap="square" tIns="91425">
+            <a:noAutofit/>
+          </a:bodyPr>
+          <a:lstStyle/>
+          <a:p>
+            <a:pPr indent="0" lvl="0" marL="0" rtl="0" algn="l">
+              <a:spcBef>
+                <a:spcPts val="0"/>
+              </a:spcBef>
+              <a:spcAft>
+                <a:spcPts val="0"/>
+              </a:spcAft>
+              <a:buNone/>
+            </a:pPr>
+            <a:r>
+              <a:t/>
+            </a:r>
+            <a:endParaRPr/>
+          </a:p>
+        </p:txBody>
+      </p:sp>
+    </p:spTree>
+  </p:cSld>
+  <p:clrMapOvr>
+    <a:masterClrMapping/>
+  </p:clrMapOvr>
+</p:notes>
+</file>
+
+<file path=ppt/notesSlides/notesSlide28.xml><?xml version="1.0" encoding="utf-8"?>
+<p:notes xmlns:a="http://schemas.openxmlformats.org/drawingml/2006/main" xmlns:r="http://schemas.openxmlformats.org/officeDocument/2006/relationships" xmlns:mc="http://schemas.openxmlformats.org/markup-compatibility/2006" xmlns:mv="urn:schemas-microsoft-com:mac:vml" xmlns:p="http://schemas.openxmlformats.org/presentationml/2006/main" xmlns:c="http://schemas.openxmlformats.org/drawingml/2006/chart" xmlns:dgm="http://schemas.openxmlformats.org/drawingml/2006/diagram" xmlns:o="urn:schemas-microsoft-com:office:office" xmlns:v="urn:schemas-microsoft-com:vml" xmlns:pvml="urn:schemas-microsoft-com:office:powerpoint" xmlns:com="http://schemas.openxmlformats.org/drawingml/2006/compatibility" xmlns:p14="http://schemas.microsoft.com/office/powerpoint/2010/main" xmlns:p15="http://schemas.microsoft.com/office/powerpoint/2012/main" showMasterPhAnim="0" showMasterSp="0">
+  <p:cSld>
+    <p:spTree>
+      <p:nvGrpSpPr>
+        <p:cNvPr id="378" name="Shape 378"/>
+        <p:cNvGrpSpPr/>
+        <p:nvPr/>
+      </p:nvGrpSpPr>
+      <p:grpSpPr>
+        <a:xfrm>
+          <a:off x="0" y="0"/>
+          <a:ext cx="0" cy="0"/>
+          <a:chOff x="0" y="0"/>
+          <a:chExt cx="0" cy="0"/>
+        </a:xfrm>
+      </p:grpSpPr>
+      <p:sp>
+        <p:nvSpPr>
+          <p:cNvPr id="379" name="Google Shape;379;g7efebd9989_0_5:notes"/>
+          <p:cNvSpPr/>
+          <p:nvPr>
+            <p:ph idx="2" type="sldImg"/>
+          </p:nvPr>
+        </p:nvSpPr>
+        <p:spPr>
+          <a:xfrm>
+            <a:off x="381300" y="685800"/>
+            <a:ext cx="6096000" cy="3429000"/>
+          </a:xfrm>
+          <a:custGeom>
+            <a:rect b="b" l="l" r="r" t="t"/>
+            <a:pathLst>
+              <a:path extrusionOk="0" h="120000" w="120000">
+                <a:moveTo>
+                  <a:pt x="0" y="0"/>
+                </a:moveTo>
+                <a:lnTo>
+                  <a:pt x="120000" y="0"/>
+                </a:lnTo>
+                <a:lnTo>
+                  <a:pt x="120000" y="120000"/>
+                </a:lnTo>
+                <a:lnTo>
+                  <a:pt x="0" y="120000"/>
+                </a:lnTo>
+                <a:close/>
+              </a:path>
+            </a:pathLst>
+          </a:custGeom>
+        </p:spPr>
+      </p:sp>
+      <p:sp>
+        <p:nvSpPr>
+          <p:cNvPr id="380" name="Google Shape;380;g7efebd9989_0_5:notes"/>
+          <p:cNvSpPr txBox="1"/>
+          <p:nvPr>
+            <p:ph idx="1" type="body"/>
+          </p:nvPr>
+        </p:nvSpPr>
+        <p:spPr>
+          <a:xfrm>
+            <a:off x="685800" y="4343400"/>
+            <a:ext cx="5486400" cy="4114800"/>
+          </a:xfrm>
+          <a:prstGeom prst="rect">
+            <a:avLst/>
+          </a:prstGeom>
+        </p:spPr>
+        <p:txBody>
+          <a:bodyPr anchorCtr="0" anchor="t" bIns="91425" lIns="91425" spcFirstLastPara="1" rIns="91425" wrap="square" tIns="91425">
+            <a:noAutofit/>
+          </a:bodyPr>
+          <a:lstStyle/>
+          <a:p>
+            <a:pPr indent="0" lvl="0" marL="0" rtl="0" algn="l">
+              <a:spcBef>
+                <a:spcPts val="0"/>
+              </a:spcBef>
+              <a:spcAft>
+                <a:spcPts val="0"/>
+              </a:spcAft>
+              <a:buNone/>
+            </a:pPr>
+            <a:r>
+              <a:t/>
+            </a:r>
+            <a:endParaRPr/>
+          </a:p>
+        </p:txBody>
+      </p:sp>
+    </p:spTree>
+  </p:cSld>
+  <p:clrMapOvr>
+    <a:masterClrMapping/>
+  </p:clrMapOvr>
+</p:notes>
+</file>
+
+<file path=ppt/notesSlides/notesSlide29.xml><?xml version="1.0" encoding="utf-8"?>
+<p:notes xmlns:a="http://schemas.openxmlformats.org/drawingml/2006/main" xmlns:r="http://schemas.openxmlformats.org/officeDocument/2006/relationships" xmlns:mc="http://schemas.openxmlformats.org/markup-compatibility/2006" xmlns:mv="urn:schemas-microsoft-com:mac:vml" xmlns:p="http://schemas.openxmlformats.org/presentationml/2006/main" xmlns:c="http://schemas.openxmlformats.org/drawingml/2006/chart" xmlns:dgm="http://schemas.openxmlformats.org/drawingml/2006/diagram" xmlns:o="urn:schemas-microsoft-com:office:office" xmlns:v="urn:schemas-microsoft-com:vml" xmlns:pvml="urn:schemas-microsoft-com:office:powerpoint" xmlns:com="http://schemas.openxmlformats.org/drawingml/2006/compatibility" xmlns:p14="http://schemas.microsoft.com/office/powerpoint/2010/main" xmlns:p15="http://schemas.microsoft.com/office/powerpoint/2012/main" showMasterPhAnim="0" showMasterSp="0">
+  <p:cSld>
+    <p:spTree>
+      <p:nvGrpSpPr>
+        <p:cNvPr id="385" name="Shape 385"/>
+        <p:cNvGrpSpPr/>
+        <p:nvPr/>
+      </p:nvGrpSpPr>
+      <p:grpSpPr>
+        <a:xfrm>
+          <a:off x="0" y="0"/>
+          <a:ext cx="0" cy="0"/>
+          <a:chOff x="0" y="0"/>
+          <a:chExt cx="0" cy="0"/>
+        </a:xfrm>
+      </p:grpSpPr>
+      <p:sp>
+        <p:nvSpPr>
+          <p:cNvPr id="386" name="Google Shape;386;g7efca33740_0_95:notes"/>
+          <p:cNvSpPr/>
+          <p:nvPr>
+            <p:ph idx="2" type="sldImg"/>
+          </p:nvPr>
+        </p:nvSpPr>
+        <p:spPr>
+          <a:xfrm>
+            <a:off x="381300" y="685800"/>
+            <a:ext cx="6096000" cy="3429000"/>
+          </a:xfrm>
+          <a:custGeom>
+            <a:rect b="b" l="l" r="r" t="t"/>
+            <a:pathLst>
+              <a:path extrusionOk="0" h="120000" w="120000">
+                <a:moveTo>
+                  <a:pt x="0" y="0"/>
+                </a:moveTo>
+                <a:lnTo>
+                  <a:pt x="120000" y="0"/>
+                </a:lnTo>
+                <a:lnTo>
+                  <a:pt x="120000" y="120000"/>
+                </a:lnTo>
+                <a:lnTo>
+                  <a:pt x="0" y="120000"/>
+                </a:lnTo>
+                <a:close/>
+              </a:path>
+            </a:pathLst>
+          </a:custGeom>
+        </p:spPr>
+      </p:sp>
+      <p:sp>
+        <p:nvSpPr>
+          <p:cNvPr id="387" name="Google Shape;387;g7efca33740_0_95:notes"/>
           <p:cNvSpPr txBox="1"/>
           <p:nvPr>
             <p:ph idx="1" type="body"/>
@@ -3456,6 +3657,105 @@
             <a:r>
               <a:rPr lang="pt-BR"/>
               <a:t>Activation functions are really important for a Artificial Neural Network to learn and make sense of something really complicated and Non-linear complex functional mappings between the inputs and response variable.They introduce non-linear properties to our Network.Their main purpose is to convert a input signal of a node in a A-NN to an output signal. That output signal now is used as a input in the next layer in the stack.</a:t>
+            </a:r>
+            <a:endParaRPr/>
+          </a:p>
+        </p:txBody>
+      </p:sp>
+    </p:spTree>
+  </p:cSld>
+  <p:clrMapOvr>
+    <a:masterClrMapping/>
+  </p:clrMapOvr>
+</p:notes>
+</file>
+
+<file path=ppt/notesSlides/notesSlide30.xml><?xml version="1.0" encoding="utf-8"?>
+<p:notes xmlns:a="http://schemas.openxmlformats.org/drawingml/2006/main" xmlns:r="http://schemas.openxmlformats.org/officeDocument/2006/relationships" xmlns:mc="http://schemas.openxmlformats.org/markup-compatibility/2006" xmlns:mv="urn:schemas-microsoft-com:mac:vml" xmlns:p="http://schemas.openxmlformats.org/presentationml/2006/main" xmlns:c="http://schemas.openxmlformats.org/drawingml/2006/chart" xmlns:dgm="http://schemas.openxmlformats.org/drawingml/2006/diagram" xmlns:o="urn:schemas-microsoft-com:office:office" xmlns:v="urn:schemas-microsoft-com:vml" xmlns:pvml="urn:schemas-microsoft-com:office:powerpoint" xmlns:com="http://schemas.openxmlformats.org/drawingml/2006/compatibility" xmlns:p14="http://schemas.microsoft.com/office/powerpoint/2010/main" xmlns:p15="http://schemas.microsoft.com/office/powerpoint/2012/main" showMasterPhAnim="0" showMasterSp="0">
+  <p:cSld>
+    <p:spTree>
+      <p:nvGrpSpPr>
+        <p:cNvPr id="391" name="Shape 391"/>
+        <p:cNvGrpSpPr/>
+        <p:nvPr/>
+      </p:nvGrpSpPr>
+      <p:grpSpPr>
+        <a:xfrm>
+          <a:off x="0" y="0"/>
+          <a:ext cx="0" cy="0"/>
+          <a:chOff x="0" y="0"/>
+          <a:chExt cx="0" cy="0"/>
+        </a:xfrm>
+      </p:grpSpPr>
+      <p:sp>
+        <p:nvSpPr>
+          <p:cNvPr id="392" name="Google Shape;392;g7efca33740_0_109:notes"/>
+          <p:cNvSpPr/>
+          <p:nvPr>
+            <p:ph idx="2" type="sldImg"/>
+          </p:nvPr>
+        </p:nvSpPr>
+        <p:spPr>
+          <a:xfrm>
+            <a:off x="381300" y="685800"/>
+            <a:ext cx="6096000" cy="3429000"/>
+          </a:xfrm>
+          <a:custGeom>
+            <a:rect b="b" l="l" r="r" t="t"/>
+            <a:pathLst>
+              <a:path extrusionOk="0" h="120000" w="120000">
+                <a:moveTo>
+                  <a:pt x="0" y="0"/>
+                </a:moveTo>
+                <a:lnTo>
+                  <a:pt x="120000" y="0"/>
+                </a:lnTo>
+                <a:lnTo>
+                  <a:pt x="120000" y="120000"/>
+                </a:lnTo>
+                <a:lnTo>
+                  <a:pt x="0" y="120000"/>
+                </a:lnTo>
+                <a:close/>
+              </a:path>
+            </a:pathLst>
+          </a:custGeom>
+        </p:spPr>
+      </p:sp>
+      <p:sp>
+        <p:nvSpPr>
+          <p:cNvPr id="393" name="Google Shape;393;g7efca33740_0_109:notes"/>
+          <p:cNvSpPr txBox="1"/>
+          <p:nvPr>
+            <p:ph idx="1" type="body"/>
+          </p:nvPr>
+        </p:nvSpPr>
+        <p:spPr>
+          <a:xfrm>
+            <a:off x="685800" y="4343400"/>
+            <a:ext cx="5486400" cy="4114800"/>
+          </a:xfrm>
+          <a:prstGeom prst="rect">
+            <a:avLst/>
+          </a:prstGeom>
+        </p:spPr>
+        <p:txBody>
+          <a:bodyPr anchorCtr="0" anchor="t" bIns="91425" lIns="91425" spcFirstLastPara="1" rIns="91425" wrap="square" tIns="91425">
+            <a:noAutofit/>
+          </a:bodyPr>
+          <a:lstStyle/>
+          <a:p>
+            <a:pPr indent="0" lvl="0" marL="0" rtl="0" algn="l">
+              <a:spcBef>
+                <a:spcPts val="0"/>
+              </a:spcBef>
+              <a:spcAft>
+                <a:spcPts val="0"/>
+              </a:spcAft>
+              <a:buNone/>
+            </a:pPr>
+            <a:r>
+              <a:t/>
             </a:r>
             <a:endParaRPr/>
           </a:p>
@@ -20752,7 +21052,7 @@
             </a:pPr>
             <a:r>
               <a:rPr lang="pt-BR"/>
-              <a:t>Project Orientations</a:t>
+              <a:t>TP/TN/FP/FN</a:t>
             </a:r>
             <a:endParaRPr/>
           </a:p>
@@ -20781,128 +21081,50 @@
           </a:bodyPr>
           <a:lstStyle/>
           <a:p>
-            <a:pPr indent="-342900" lvl="0" marL="457200" rtl="0" algn="l">
-              <a:spcBef>
-                <a:spcPts val="0"/>
-              </a:spcBef>
-              <a:spcAft>
-                <a:spcPts val="0"/>
-              </a:spcAft>
-              <a:buSzPts val="1800"/>
-              <a:buChar char="●"/>
-            </a:pPr>
-            <a:r>
-              <a:rPr lang="pt-BR"/>
-              <a:t>a</a:t>
-            </a:r>
-            <a:endParaRPr/>
-          </a:p>
-          <a:p>
-            <a:pPr indent="-342900" lvl="0" marL="457200" rtl="0" algn="l">
-              <a:spcBef>
-                <a:spcPts val="0"/>
-              </a:spcBef>
-              <a:spcAft>
-                <a:spcPts val="0"/>
-              </a:spcAft>
-              <a:buSzPts val="1800"/>
-              <a:buChar char="●"/>
+            <a:pPr indent="0" lvl="0" marL="0" rtl="0" algn="l">
+              <a:spcBef>
+                <a:spcPts val="0"/>
+              </a:spcBef>
+              <a:spcAft>
+                <a:spcPts val="1600"/>
+              </a:spcAft>
+              <a:buNone/>
             </a:pPr>
             <a:r>
               <a:t/>
             </a:r>
             <a:endParaRPr/>
           </a:p>
-          <a:p>
-            <a:pPr indent="-342900" lvl="0" marL="457200" rtl="0" algn="l">
-              <a:spcBef>
-                <a:spcPts val="0"/>
-              </a:spcBef>
-              <a:spcAft>
-                <a:spcPts val="0"/>
-              </a:spcAft>
-              <a:buSzPts val="1800"/>
-              <a:buChar char="●"/>
-            </a:pPr>
-            <a:r>
-              <a:rPr lang="pt-BR"/>
-              <a:t>Integrate the model with another system (optional).</a:t>
-            </a:r>
-            <a:endParaRPr/>
-          </a:p>
-          <a:p>
-            <a:pPr indent="-342900" lvl="0" marL="457200" rtl="0" algn="l">
-              <a:spcBef>
-                <a:spcPts val="0"/>
-              </a:spcBef>
-              <a:spcAft>
-                <a:spcPts val="0"/>
-              </a:spcAft>
-              <a:buSzPts val="1800"/>
-              <a:buChar char="●"/>
-            </a:pPr>
-            <a:r>
-              <a:rPr lang="pt-BR"/>
-              <a:t>Submission by April </a:t>
-            </a:r>
-            <a:r>
-              <a:rPr lang="pt-BR"/>
-              <a:t>1st.</a:t>
-            </a:r>
-            <a:endParaRPr/>
-          </a:p>
-          <a:p>
-            <a:pPr indent="-342900" lvl="0" marL="457200" rtl="0" algn="l">
-              <a:spcBef>
-                <a:spcPts val="0"/>
-              </a:spcBef>
-              <a:spcAft>
-                <a:spcPts val="0"/>
-              </a:spcAft>
-              <a:buSzPts val="1800"/>
-              <a:buChar char="●"/>
-            </a:pPr>
-            <a:r>
-              <a:rPr lang="pt-BR"/>
-              <a:t>Project presentation:</a:t>
-            </a:r>
-            <a:endParaRPr/>
-          </a:p>
-          <a:p>
-            <a:pPr indent="-317500" lvl="1" marL="914400" rtl="0" algn="l">
-              <a:spcBef>
-                <a:spcPts val="0"/>
-              </a:spcBef>
-              <a:spcAft>
-                <a:spcPts val="0"/>
-              </a:spcAft>
-              <a:buSzPts val="1400"/>
-              <a:buChar char="○"/>
-            </a:pPr>
-            <a:r>
-              <a:rPr lang="pt-BR"/>
-              <a:t>10 minutes</a:t>
-            </a:r>
-            <a:endParaRPr/>
-          </a:p>
-          <a:p>
-            <a:pPr indent="-317500" lvl="1" marL="914400" rtl="0" algn="l">
-              <a:spcBef>
-                <a:spcPts val="0"/>
-              </a:spcBef>
-              <a:spcAft>
-                <a:spcPts val="0"/>
-              </a:spcAft>
-              <a:buSzPts val="1400"/>
-              <a:buChar char="○"/>
-            </a:pPr>
-            <a:r>
-              <a:t/>
-            </a:r>
-            <a:endParaRPr/>
-          </a:p>
-        </p:txBody>
-      </p:sp>
+        </p:txBody>
+      </p:sp>
+      <p:pic>
+        <p:nvPicPr>
+          <p:cNvPr id="368" name="Google Shape;368;p38"/>
+          <p:cNvPicPr preferRelativeResize="0"/>
+          <p:nvPr/>
+        </p:nvPicPr>
+        <p:blipFill>
+          <a:blip r:embed="rId3">
+            <a:alphaModFix/>
+          </a:blip>
+          <a:stretch>
+            <a:fillRect/>
+          </a:stretch>
+        </p:blipFill>
+        <p:spPr>
+          <a:xfrm>
+            <a:off x="2096700" y="1229875"/>
+            <a:ext cx="4876800" cy="3219450"/>
+          </a:xfrm>
+          <a:prstGeom prst="rect">
+            <a:avLst/>
+          </a:prstGeom>
+          <a:noFill/>
+          <a:ln>
+            <a:noFill/>
+          </a:ln>
+        </p:spPr>
+      </p:pic>
     </p:spTree>
   </p:cSld>
   <p:clrMapOvr>
@@ -20916,7 +21138,7 @@
   <p:cSld>
     <p:spTree>
       <p:nvGrpSpPr>
-        <p:cNvPr id="371" name="Shape 371"/>
+        <p:cNvPr id="372" name="Shape 372"/>
         <p:cNvGrpSpPr/>
         <p:nvPr/>
       </p:nvGrpSpPr>
@@ -20930,7 +21152,7 @@
       </p:grpSpPr>
       <p:sp>
         <p:nvSpPr>
-          <p:cNvPr id="372" name="Google Shape;372;p39"/>
+          <p:cNvPr id="373" name="Google Shape;373;p39"/>
           <p:cNvSpPr txBox="1"/>
           <p:nvPr>
             <p:ph type="title"/>
@@ -20962,15 +21184,15 @@
             </a:pPr>
             <a:r>
               <a:rPr lang="pt-BR"/>
-              <a:t>Project Orientations</a:t>
-            </a:r>
-            <a:endParaRPr/>
-          </a:p>
-        </p:txBody>
-      </p:sp>
-      <p:sp>
-        <p:nvSpPr>
-          <p:cNvPr id="373" name="Google Shape;373;p39"/>
+              <a:t>TP/TN/FP/FN</a:t>
+            </a:r>
+            <a:endParaRPr/>
+          </a:p>
+        </p:txBody>
+      </p:sp>
+      <p:sp>
+        <p:nvSpPr>
+          <p:cNvPr id="374" name="Google Shape;374;p39"/>
           <p:cNvSpPr txBox="1"/>
           <p:nvPr>
             <p:ph idx="1" type="body"/>
@@ -20991,6 +21213,326 @@
           </a:bodyPr>
           <a:lstStyle/>
           <a:p>
+            <a:pPr indent="0" lvl="0" marL="0" rtl="0" algn="l">
+              <a:spcBef>
+                <a:spcPts val="0"/>
+              </a:spcBef>
+              <a:spcAft>
+                <a:spcPts val="1600"/>
+              </a:spcAft>
+              <a:buNone/>
+            </a:pPr>
+            <a:r>
+              <a:t/>
+            </a:r>
+            <a:endParaRPr/>
+          </a:p>
+        </p:txBody>
+      </p:sp>
+      <p:pic>
+        <p:nvPicPr>
+          <p:cNvPr id="375" name="Google Shape;375;p39"/>
+          <p:cNvPicPr preferRelativeResize="0"/>
+          <p:nvPr/>
+        </p:nvPicPr>
+        <p:blipFill>
+          <a:blip r:embed="rId3">
+            <a:alphaModFix/>
+          </a:blip>
+          <a:stretch>
+            <a:fillRect/>
+          </a:stretch>
+        </p:blipFill>
+        <p:spPr>
+          <a:xfrm>
+            <a:off x="3129763" y="2597679"/>
+            <a:ext cx="2884474" cy="607800"/>
+          </a:xfrm>
+          <a:prstGeom prst="rect">
+            <a:avLst/>
+          </a:prstGeom>
+          <a:noFill/>
+          <a:ln>
+            <a:noFill/>
+          </a:ln>
+        </p:spPr>
+      </p:pic>
+      <p:pic>
+        <p:nvPicPr>
+          <p:cNvPr id="376" name="Google Shape;376;p39"/>
+          <p:cNvPicPr preferRelativeResize="0"/>
+          <p:nvPr/>
+        </p:nvPicPr>
+        <p:blipFill>
+          <a:blip r:embed="rId4">
+            <a:alphaModFix/>
+          </a:blip>
+          <a:stretch>
+            <a:fillRect/>
+          </a:stretch>
+        </p:blipFill>
+        <p:spPr>
+          <a:xfrm>
+            <a:off x="2398513" y="1462334"/>
+            <a:ext cx="4435533" cy="607800"/>
+          </a:xfrm>
+          <a:prstGeom prst="rect">
+            <a:avLst/>
+          </a:prstGeom>
+          <a:noFill/>
+          <a:ln>
+            <a:noFill/>
+          </a:ln>
+        </p:spPr>
+      </p:pic>
+      <p:pic>
+        <p:nvPicPr>
+          <p:cNvPr id="377" name="Google Shape;377;p39"/>
+          <p:cNvPicPr preferRelativeResize="0"/>
+          <p:nvPr/>
+        </p:nvPicPr>
+        <p:blipFill>
+          <a:blip r:embed="rId5">
+            <a:alphaModFix/>
+          </a:blip>
+          <a:stretch>
+            <a:fillRect/>
+          </a:stretch>
+        </p:blipFill>
+        <p:spPr>
+          <a:xfrm>
+            <a:off x="3334079" y="3733042"/>
+            <a:ext cx="2475840" cy="607800"/>
+          </a:xfrm>
+          <a:prstGeom prst="rect">
+            <a:avLst/>
+          </a:prstGeom>
+          <a:noFill/>
+          <a:ln>
+            <a:noFill/>
+          </a:ln>
+        </p:spPr>
+      </p:pic>
+    </p:spTree>
+  </p:cSld>
+  <p:clrMapOvr>
+    <a:masterClrMapping/>
+  </p:clrMapOvr>
+</p:sld>
+</file>
+
+<file path=ppt/slides/slide28.xml><?xml version="1.0" encoding="utf-8"?>
+<p:sld xmlns:a="http://schemas.openxmlformats.org/drawingml/2006/main" xmlns:r="http://schemas.openxmlformats.org/officeDocument/2006/relationships" xmlns:mc="http://schemas.openxmlformats.org/markup-compatibility/2006" xmlns:mv="urn:schemas-microsoft-com:mac:vml" xmlns:p="http://schemas.openxmlformats.org/presentationml/2006/main" xmlns:c="http://schemas.openxmlformats.org/drawingml/2006/chart" xmlns:dgm="http://schemas.openxmlformats.org/drawingml/2006/diagram" xmlns:o="urn:schemas-microsoft-com:office:office" xmlns:v="urn:schemas-microsoft-com:vml" xmlns:pvml="urn:schemas-microsoft-com:office:powerpoint" xmlns:com="http://schemas.openxmlformats.org/drawingml/2006/compatibility" xmlns:p14="http://schemas.microsoft.com/office/powerpoint/2010/main" xmlns:p15="http://schemas.microsoft.com/office/powerpoint/2012/main">
+  <p:cSld>
+    <p:spTree>
+      <p:nvGrpSpPr>
+        <p:cNvPr id="381" name="Shape 381"/>
+        <p:cNvGrpSpPr/>
+        <p:nvPr/>
+      </p:nvGrpSpPr>
+      <p:grpSpPr>
+        <a:xfrm>
+          <a:off x="0" y="0"/>
+          <a:ext cx="0" cy="0"/>
+          <a:chOff x="0" y="0"/>
+          <a:chExt cx="0" cy="0"/>
+        </a:xfrm>
+      </p:grpSpPr>
+      <p:sp>
+        <p:nvSpPr>
+          <p:cNvPr id="382" name="Google Shape;382;p40"/>
+          <p:cNvSpPr txBox="1"/>
+          <p:nvPr>
+            <p:ph type="title"/>
+          </p:nvPr>
+        </p:nvSpPr>
+        <p:spPr>
+          <a:xfrm>
+            <a:off x="311700" y="410000"/>
+            <a:ext cx="8520600" cy="607800"/>
+          </a:xfrm>
+          <a:prstGeom prst="rect">
+            <a:avLst/>
+          </a:prstGeom>
+        </p:spPr>
+        <p:txBody>
+          <a:bodyPr anchorCtr="0" anchor="t" bIns="91425" lIns="91425" spcFirstLastPara="1" rIns="91425" wrap="square" tIns="91425">
+            <a:noAutofit/>
+          </a:bodyPr>
+          <a:lstStyle/>
+          <a:p>
+            <a:pPr indent="0" lvl="0" marL="0" rtl="0" algn="l">
+              <a:spcBef>
+                <a:spcPts val="0"/>
+              </a:spcBef>
+              <a:spcAft>
+                <a:spcPts val="0"/>
+              </a:spcAft>
+              <a:buNone/>
+            </a:pPr>
+            <a:r>
+              <a:rPr lang="pt-BR"/>
+              <a:t>Confusion Table</a:t>
+            </a:r>
+            <a:endParaRPr/>
+          </a:p>
+        </p:txBody>
+      </p:sp>
+      <p:sp>
+        <p:nvSpPr>
+          <p:cNvPr id="383" name="Google Shape;383;p40"/>
+          <p:cNvSpPr txBox="1"/>
+          <p:nvPr>
+            <p:ph idx="1" type="body"/>
+          </p:nvPr>
+        </p:nvSpPr>
+        <p:spPr>
+          <a:xfrm>
+            <a:off x="311700" y="1229875"/>
+            <a:ext cx="8520600" cy="3339000"/>
+          </a:xfrm>
+          <a:prstGeom prst="rect">
+            <a:avLst/>
+          </a:prstGeom>
+        </p:spPr>
+        <p:txBody>
+          <a:bodyPr anchorCtr="0" anchor="t" bIns="91425" lIns="91425" spcFirstLastPara="1" rIns="91425" wrap="square" tIns="91425">
+            <a:noAutofit/>
+          </a:bodyPr>
+          <a:lstStyle/>
+          <a:p>
+            <a:pPr indent="0" lvl="0" marL="0" rtl="0" algn="l">
+              <a:spcBef>
+                <a:spcPts val="0"/>
+              </a:spcBef>
+              <a:spcAft>
+                <a:spcPts val="1600"/>
+              </a:spcAft>
+              <a:buNone/>
+            </a:pPr>
+            <a:r>
+              <a:t/>
+            </a:r>
+            <a:endParaRPr/>
+          </a:p>
+        </p:txBody>
+      </p:sp>
+      <p:pic>
+        <p:nvPicPr>
+          <p:cNvPr id="384" name="Google Shape;384;p40"/>
+          <p:cNvPicPr preferRelativeResize="0"/>
+          <p:nvPr/>
+        </p:nvPicPr>
+        <p:blipFill>
+          <a:blip r:embed="rId3">
+            <a:alphaModFix/>
+          </a:blip>
+          <a:stretch>
+            <a:fillRect/>
+          </a:stretch>
+        </p:blipFill>
+        <p:spPr>
+          <a:xfrm>
+            <a:off x="2381525" y="1229875"/>
+            <a:ext cx="4380949" cy="3606976"/>
+          </a:xfrm>
+          <a:prstGeom prst="rect">
+            <a:avLst/>
+          </a:prstGeom>
+          <a:noFill/>
+          <a:ln>
+            <a:noFill/>
+          </a:ln>
+        </p:spPr>
+      </p:pic>
+    </p:spTree>
+  </p:cSld>
+  <p:clrMapOvr>
+    <a:masterClrMapping/>
+  </p:clrMapOvr>
+</p:sld>
+</file>
+
+<file path=ppt/slides/slide29.xml><?xml version="1.0" encoding="utf-8"?>
+<p:sld xmlns:a="http://schemas.openxmlformats.org/drawingml/2006/main" xmlns:r="http://schemas.openxmlformats.org/officeDocument/2006/relationships" xmlns:mc="http://schemas.openxmlformats.org/markup-compatibility/2006" xmlns:mv="urn:schemas-microsoft-com:mac:vml" xmlns:p="http://schemas.openxmlformats.org/presentationml/2006/main" xmlns:c="http://schemas.openxmlformats.org/drawingml/2006/chart" xmlns:dgm="http://schemas.openxmlformats.org/drawingml/2006/diagram" xmlns:o="urn:schemas-microsoft-com:office:office" xmlns:v="urn:schemas-microsoft-com:vml" xmlns:pvml="urn:schemas-microsoft-com:office:powerpoint" xmlns:com="http://schemas.openxmlformats.org/drawingml/2006/compatibility" xmlns:p14="http://schemas.microsoft.com/office/powerpoint/2010/main" xmlns:p15="http://schemas.microsoft.com/office/powerpoint/2012/main">
+  <p:cSld>
+    <p:spTree>
+      <p:nvGrpSpPr>
+        <p:cNvPr id="388" name="Shape 388"/>
+        <p:cNvGrpSpPr/>
+        <p:nvPr/>
+      </p:nvGrpSpPr>
+      <p:grpSpPr>
+        <a:xfrm>
+          <a:off x="0" y="0"/>
+          <a:ext cx="0" cy="0"/>
+          <a:chOff x="0" y="0"/>
+          <a:chExt cx="0" cy="0"/>
+        </a:xfrm>
+      </p:grpSpPr>
+      <p:sp>
+        <p:nvSpPr>
+          <p:cNvPr id="389" name="Google Shape;389;p41"/>
+          <p:cNvSpPr txBox="1"/>
+          <p:nvPr>
+            <p:ph type="title"/>
+          </p:nvPr>
+        </p:nvSpPr>
+        <p:spPr>
+          <a:xfrm>
+            <a:off x="311700" y="410000"/>
+            <a:ext cx="8520600" cy="607800"/>
+          </a:xfrm>
+          <a:prstGeom prst="rect">
+            <a:avLst/>
+          </a:prstGeom>
+        </p:spPr>
+        <p:txBody>
+          <a:bodyPr anchorCtr="0" anchor="t" bIns="91425" lIns="91425" spcFirstLastPara="1" rIns="91425" wrap="square" tIns="91425">
+            <a:noAutofit/>
+          </a:bodyPr>
+          <a:lstStyle/>
+          <a:p>
+            <a:pPr indent="0" lvl="0" marL="0" rtl="0" algn="l">
+              <a:spcBef>
+                <a:spcPts val="0"/>
+              </a:spcBef>
+              <a:spcAft>
+                <a:spcPts val="0"/>
+              </a:spcAft>
+              <a:buNone/>
+            </a:pPr>
+            <a:r>
+              <a:rPr lang="pt-BR"/>
+              <a:t>Project Orientations</a:t>
+            </a:r>
+            <a:endParaRPr/>
+          </a:p>
+        </p:txBody>
+      </p:sp>
+      <p:sp>
+        <p:nvSpPr>
+          <p:cNvPr id="390" name="Google Shape;390;p41"/>
+          <p:cNvSpPr txBox="1"/>
+          <p:nvPr>
+            <p:ph idx="1" type="body"/>
+          </p:nvPr>
+        </p:nvSpPr>
+        <p:spPr>
+          <a:xfrm>
+            <a:off x="311700" y="1229875"/>
+            <a:ext cx="8520600" cy="3339000"/>
+          </a:xfrm>
+          <a:prstGeom prst="rect">
+            <a:avLst/>
+          </a:prstGeom>
+        </p:spPr>
+        <p:txBody>
+          <a:bodyPr anchorCtr="0" anchor="t" bIns="91425" lIns="91425" spcFirstLastPara="1" rIns="91425" wrap="square" tIns="91425">
+            <a:noAutofit/>
+          </a:bodyPr>
+          <a:lstStyle/>
+          <a:p>
             <a:pPr indent="-342900" lvl="0" marL="457200" rtl="0" algn="l">
               <a:spcBef>
                 <a:spcPts val="0"/>
@@ -21003,11 +21545,79 @@
             </a:pPr>
             <a:r>
               <a:rPr lang="pt-BR"/>
-              <a:t>Free available datasets</a:t>
-            </a:r>
+              <a:t>Find a dataset. </a:t>
+            </a:r>
+            <a:endParaRPr/>
+          </a:p>
+          <a:p>
+            <a:pPr indent="-342900" lvl="0" marL="457200" rtl="0" algn="l">
+              <a:spcBef>
+                <a:spcPts val="0"/>
+              </a:spcBef>
+              <a:spcAft>
+                <a:spcPts val="0"/>
+              </a:spcAft>
+              <a:buSzPts val="1800"/>
+              <a:buChar char="●"/>
+            </a:pPr>
             <a:r>
               <a:rPr lang="pt-BR"/>
-              <a:t>:</a:t>
+              <a:t>Build a neural network (Regression or Classification).</a:t>
+            </a:r>
+            <a:endParaRPr/>
+          </a:p>
+          <a:p>
+            <a:pPr indent="-342900" lvl="0" marL="457200" rtl="0" algn="l">
+              <a:spcBef>
+                <a:spcPts val="0"/>
+              </a:spcBef>
+              <a:spcAft>
+                <a:spcPts val="0"/>
+              </a:spcAft>
+              <a:buSzPts val="1800"/>
+              <a:buChar char="●"/>
+            </a:pPr>
+            <a:r>
+              <a:rPr lang="pt-BR"/>
+              <a:t>Integrate the model with another system (optional).</a:t>
+            </a:r>
+            <a:endParaRPr/>
+          </a:p>
+          <a:p>
+            <a:pPr indent="-342900" lvl="0" marL="457200" rtl="0" algn="l">
+              <a:spcBef>
+                <a:spcPts val="0"/>
+              </a:spcBef>
+              <a:spcAft>
+                <a:spcPts val="0"/>
+              </a:spcAft>
+              <a:buSzPts val="1800"/>
+              <a:buChar char="●"/>
+            </a:pPr>
+            <a:r>
+              <a:rPr lang="pt-BR"/>
+              <a:t>Submission by April </a:t>
+            </a:r>
+            <a:r>
+              <a:rPr lang="pt-BR"/>
+              <a:t>1st.</a:t>
+            </a:r>
+            <a:endParaRPr/>
+          </a:p>
+          <a:p>
+            <a:pPr indent="-342900" lvl="0" marL="457200" rtl="0" algn="l">
+              <a:spcBef>
+                <a:spcPts val="0"/>
+              </a:spcBef>
+              <a:spcAft>
+                <a:spcPts val="0"/>
+              </a:spcAft>
+              <a:buSzPts val="1800"/>
+              <a:buChar char="●"/>
+            </a:pPr>
+            <a:r>
+              <a:rPr lang="pt-BR"/>
+              <a:t>Project presentation:</a:t>
             </a:r>
             <a:endParaRPr/>
           </a:p>
@@ -21024,7 +21634,24 @@
             </a:pPr>
             <a:r>
               <a:rPr lang="pt-BR"/>
-              <a:t>FiveThirtyEight</a:t>
+              <a:t>10 minutes.</a:t>
+            </a:r>
+            <a:endParaRPr/>
+          </a:p>
+          <a:p>
+            <a:pPr indent="-317500" lvl="1" marL="914400" rtl="0" algn="l">
+              <a:spcBef>
+                <a:spcPts val="0"/>
+              </a:spcBef>
+              <a:spcAft>
+                <a:spcPts val="0"/>
+              </a:spcAft>
+              <a:buSzPts val="1400"/>
+              <a:buChar char="○"/>
+            </a:pPr>
+            <a:r>
+              <a:rPr lang="pt-BR"/>
+              <a:t>Explain the technical aspect of your project.</a:t>
             </a:r>
             <a:endParaRPr/>
           </a:p>
@@ -21040,17 +21667,8 @@
               <a:buChar char="■"/>
             </a:pPr>
             <a:r>
-              <a:rPr lang="pt-BR" u="sng">
-                <a:solidFill>
-                  <a:schemeClr val="hlink"/>
-                </a:solidFill>
-                <a:latin typeface="Arial"/>
-                <a:ea typeface="Arial"/>
-                <a:cs typeface="Arial"/>
-                <a:sym typeface="Arial"/>
-                <a:hlinkClick r:id="rId3"/>
-              </a:rPr>
-              <a:t>https://data.fivethirtyeight.com/</a:t>
+              <a:rPr lang="pt-BR"/>
+              <a:t>The dataset used.</a:t>
             </a:r>
             <a:endParaRPr/>
           </a:p>
@@ -21066,17 +21684,25 @@
               <a:buChar char="■"/>
             </a:pPr>
             <a:r>
-              <a:rPr lang="pt-BR" u="sng">
-                <a:solidFill>
-                  <a:schemeClr val="hlink"/>
-                </a:solidFill>
-                <a:latin typeface="Arial"/>
-                <a:ea typeface="Arial"/>
-                <a:cs typeface="Arial"/>
-                <a:sym typeface="Arial"/>
-                <a:hlinkClick r:id="rId4"/>
-              </a:rPr>
-              <a:t>https://github.com/fivethirtyeight/data</a:t>
+              <a:rPr lang="pt-BR"/>
+              <a:t>The architecture used.</a:t>
+            </a:r>
+            <a:endParaRPr/>
+          </a:p>
+          <a:p>
+            <a:pPr indent="-317500" lvl="2" marL="1371600" rtl="0" algn="l">
+              <a:spcBef>
+                <a:spcPts val="0"/>
+              </a:spcBef>
+              <a:spcAft>
+                <a:spcPts val="0"/>
+              </a:spcAft>
+              <a:buSzPts val="1400"/>
+              <a:buChar char="■"/>
+            </a:pPr>
+            <a:r>
+              <a:rPr lang="pt-BR"/>
+              <a:t>The hyperparameters.</a:t>
             </a:r>
             <a:endParaRPr/>
           </a:p>
@@ -21093,7 +21719,7 @@
             </a:pPr>
             <a:r>
               <a:rPr lang="pt-BR"/>
-              <a:t>BuzzFeed</a:t>
+              <a:t>Explain the purpose of your project.</a:t>
             </a:r>
             <a:endParaRPr/>
           </a:p>
@@ -21109,142 +21735,23 @@
               <a:buChar char="■"/>
             </a:pPr>
             <a:r>
-              <a:rPr lang="pt-BR" u="sng">
-                <a:solidFill>
-                  <a:schemeClr val="hlink"/>
-                </a:solidFill>
-                <a:latin typeface="Arial"/>
-                <a:ea typeface="Arial"/>
-                <a:cs typeface="Arial"/>
-                <a:sym typeface="Arial"/>
-                <a:hlinkClick r:id="rId5"/>
-              </a:rPr>
-              <a:t>https://github.com/BuzzFeedNews/everything</a:t>
-            </a:r>
-            <a:endParaRPr/>
-          </a:p>
-          <a:p>
-            <a:pPr indent="-317500" lvl="1" marL="914400" rtl="0" algn="l">
-              <a:spcBef>
-                <a:spcPts val="0"/>
-              </a:spcBef>
-              <a:spcAft>
-                <a:spcPts val="0"/>
-              </a:spcAft>
-              <a:buSzPts val="1400"/>
-              <a:buChar char="○"/>
-            </a:pPr>
-            <a:r>
               <a:rPr lang="pt-BR"/>
-              <a:t>Data.gov</a:t>
-            </a:r>
-            <a:endParaRPr/>
-          </a:p>
-          <a:p>
-            <a:pPr indent="-317500" lvl="2" marL="1371600" rtl="0" algn="l">
-              <a:spcBef>
-                <a:spcPts val="0"/>
-              </a:spcBef>
-              <a:spcAft>
-                <a:spcPts val="0"/>
-              </a:spcAft>
-              <a:buSzPts val="1400"/>
-              <a:buChar char="■"/>
-            </a:pPr>
-            <a:r>
-              <a:rPr lang="pt-BR" u="sng">
-                <a:solidFill>
-                  <a:schemeClr val="hlink"/>
-                </a:solidFill>
-                <a:latin typeface="Arial"/>
-                <a:ea typeface="Arial"/>
-                <a:cs typeface="Arial"/>
-                <a:sym typeface="Arial"/>
-                <a:hlinkClick r:id="rId6"/>
-              </a:rPr>
-              <a:t>https://www.data.gov/</a:t>
-            </a:r>
-            <a:endParaRPr/>
-          </a:p>
-          <a:p>
-            <a:pPr indent="-317500" lvl="1" marL="914400" rtl="0" algn="l">
-              <a:spcBef>
-                <a:spcPts val="0"/>
-              </a:spcBef>
-              <a:spcAft>
-                <a:spcPts val="0"/>
-              </a:spcAft>
-              <a:buSzPts val="1400"/>
-              <a:buChar char="○"/>
-            </a:pPr>
-            <a:r>
-              <a:rPr lang="pt-BR"/>
-              <a:t>Kaggle</a:t>
-            </a:r>
-            <a:endParaRPr/>
-          </a:p>
-          <a:p>
-            <a:pPr indent="-317500" lvl="2" marL="1371600" rtl="0" algn="l">
-              <a:spcBef>
-                <a:spcPts val="0"/>
-              </a:spcBef>
-              <a:spcAft>
-                <a:spcPts val="0"/>
-              </a:spcAft>
-              <a:buSzPts val="1400"/>
-              <a:buChar char="■"/>
-            </a:pPr>
-            <a:r>
-              <a:rPr lang="pt-BR" u="sng">
-                <a:solidFill>
-                  <a:schemeClr val="accent5"/>
-                </a:solidFill>
-                <a:hlinkClick r:id="rId7"/>
-              </a:rPr>
-              <a:t>https://www.kaggle.com/datasets</a:t>
-            </a:r>
-            <a:endParaRPr/>
-          </a:p>
-          <a:p>
-            <a:pPr indent="-317500" lvl="1" marL="914400" rtl="0" algn="l">
-              <a:spcBef>
-                <a:spcPts val="0"/>
-              </a:spcBef>
-              <a:spcAft>
-                <a:spcPts val="0"/>
-              </a:spcAft>
-              <a:buSzPts val="1400"/>
-              <a:buChar char="○"/>
-            </a:pPr>
-            <a:r>
-              <a:rPr lang="pt-BR"/>
-              <a:t>UCI</a:t>
-            </a:r>
-            <a:endParaRPr/>
-          </a:p>
-          <a:p>
-            <a:pPr indent="-317500" lvl="2" marL="1371600" rtl="0" algn="l">
-              <a:spcBef>
-                <a:spcPts val="0"/>
-              </a:spcBef>
-              <a:spcAft>
-                <a:spcPts val="0"/>
-              </a:spcAft>
-              <a:buSzPts val="1400"/>
-              <a:buChar char="■"/>
-            </a:pPr>
-            <a:r>
-              <a:rPr lang="pt-BR" u="sng">
-                <a:solidFill>
-                  <a:schemeClr val="accent5"/>
-                </a:solidFill>
-                <a:latin typeface="Arial"/>
-                <a:ea typeface="Arial"/>
-                <a:cs typeface="Arial"/>
-                <a:sym typeface="Arial"/>
-                <a:hlinkClick r:id="rId8"/>
-              </a:rPr>
-              <a:t>https://archive.ics.uci.edu/ml/datasets.php</a:t>
+              <a:t>What problem does your network help to solve?</a:t>
+            </a:r>
+            <a:endParaRPr/>
+          </a:p>
+          <a:p>
+            <a:pPr indent="0" lvl="0" marL="0" rtl="0" algn="l">
+              <a:spcBef>
+                <a:spcPts val="1600"/>
+              </a:spcBef>
+              <a:spcAft>
+                <a:spcPts val="1600"/>
+              </a:spcAft>
+              <a:buNone/>
+            </a:pPr>
+            <a:r>
+              <a:t/>
             </a:r>
             <a:endParaRPr/>
           </a:p>
@@ -21427,6 +21934,353 @@
           </a:ln>
         </p:spPr>
       </p:pic>
+    </p:spTree>
+  </p:cSld>
+  <p:clrMapOvr>
+    <a:masterClrMapping/>
+  </p:clrMapOvr>
+</p:sld>
+</file>
+
+<file path=ppt/slides/slide30.xml><?xml version="1.0" encoding="utf-8"?>
+<p:sld xmlns:a="http://schemas.openxmlformats.org/drawingml/2006/main" xmlns:r="http://schemas.openxmlformats.org/officeDocument/2006/relationships" xmlns:mc="http://schemas.openxmlformats.org/markup-compatibility/2006" xmlns:mv="urn:schemas-microsoft-com:mac:vml" xmlns:p="http://schemas.openxmlformats.org/presentationml/2006/main" xmlns:c="http://schemas.openxmlformats.org/drawingml/2006/chart" xmlns:dgm="http://schemas.openxmlformats.org/drawingml/2006/diagram" xmlns:o="urn:schemas-microsoft-com:office:office" xmlns:v="urn:schemas-microsoft-com:vml" xmlns:pvml="urn:schemas-microsoft-com:office:powerpoint" xmlns:com="http://schemas.openxmlformats.org/drawingml/2006/compatibility" xmlns:p14="http://schemas.microsoft.com/office/powerpoint/2010/main" xmlns:p15="http://schemas.microsoft.com/office/powerpoint/2012/main">
+  <p:cSld>
+    <p:spTree>
+      <p:nvGrpSpPr>
+        <p:cNvPr id="394" name="Shape 394"/>
+        <p:cNvGrpSpPr/>
+        <p:nvPr/>
+      </p:nvGrpSpPr>
+      <p:grpSpPr>
+        <a:xfrm>
+          <a:off x="0" y="0"/>
+          <a:ext cx="0" cy="0"/>
+          <a:chOff x="0" y="0"/>
+          <a:chExt cx="0" cy="0"/>
+        </a:xfrm>
+      </p:grpSpPr>
+      <p:sp>
+        <p:nvSpPr>
+          <p:cNvPr id="395" name="Google Shape;395;p42"/>
+          <p:cNvSpPr txBox="1"/>
+          <p:nvPr>
+            <p:ph type="title"/>
+          </p:nvPr>
+        </p:nvSpPr>
+        <p:spPr>
+          <a:xfrm>
+            <a:off x="311700" y="410000"/>
+            <a:ext cx="8520600" cy="607800"/>
+          </a:xfrm>
+          <a:prstGeom prst="rect">
+            <a:avLst/>
+          </a:prstGeom>
+        </p:spPr>
+        <p:txBody>
+          <a:bodyPr anchorCtr="0" anchor="t" bIns="91425" lIns="91425" spcFirstLastPara="1" rIns="91425" wrap="square" tIns="91425">
+            <a:noAutofit/>
+          </a:bodyPr>
+          <a:lstStyle/>
+          <a:p>
+            <a:pPr indent="0" lvl="0" marL="0" rtl="0" algn="l">
+              <a:spcBef>
+                <a:spcPts val="0"/>
+              </a:spcBef>
+              <a:spcAft>
+                <a:spcPts val="0"/>
+              </a:spcAft>
+              <a:buNone/>
+            </a:pPr>
+            <a:r>
+              <a:rPr lang="pt-BR"/>
+              <a:t>Project Orientations</a:t>
+            </a:r>
+            <a:endParaRPr/>
+          </a:p>
+        </p:txBody>
+      </p:sp>
+      <p:sp>
+        <p:nvSpPr>
+          <p:cNvPr id="396" name="Google Shape;396;p42"/>
+          <p:cNvSpPr txBox="1"/>
+          <p:nvPr>
+            <p:ph idx="1" type="body"/>
+          </p:nvPr>
+        </p:nvSpPr>
+        <p:spPr>
+          <a:xfrm>
+            <a:off x="311700" y="1229875"/>
+            <a:ext cx="8520600" cy="3339000"/>
+          </a:xfrm>
+          <a:prstGeom prst="rect">
+            <a:avLst/>
+          </a:prstGeom>
+        </p:spPr>
+        <p:txBody>
+          <a:bodyPr anchorCtr="0" anchor="t" bIns="91425" lIns="91425" spcFirstLastPara="1" rIns="91425" wrap="square" tIns="91425">
+            <a:noAutofit/>
+          </a:bodyPr>
+          <a:lstStyle/>
+          <a:p>
+            <a:pPr indent="-342900" lvl="0" marL="457200" rtl="0" algn="l">
+              <a:spcBef>
+                <a:spcPts val="0"/>
+              </a:spcBef>
+              <a:spcAft>
+                <a:spcPts val="0"/>
+              </a:spcAft>
+              <a:buSzPts val="1800"/>
+              <a:buChar char="●"/>
+            </a:pPr>
+            <a:r>
+              <a:rPr lang="pt-BR"/>
+              <a:t>Free available datasets</a:t>
+            </a:r>
+            <a:r>
+              <a:rPr lang="pt-BR"/>
+              <a:t>:</a:t>
+            </a:r>
+            <a:endParaRPr/>
+          </a:p>
+          <a:p>
+            <a:pPr indent="-317500" lvl="1" marL="914400" rtl="0" algn="l">
+              <a:spcBef>
+                <a:spcPts val="0"/>
+              </a:spcBef>
+              <a:spcAft>
+                <a:spcPts val="0"/>
+              </a:spcAft>
+              <a:buSzPts val="1400"/>
+              <a:buChar char="○"/>
+            </a:pPr>
+            <a:r>
+              <a:rPr lang="pt-BR"/>
+              <a:t>FiveThirtyEight</a:t>
+            </a:r>
+            <a:endParaRPr/>
+          </a:p>
+          <a:p>
+            <a:pPr indent="-317500" lvl="2" marL="1371600" rtl="0" algn="l">
+              <a:spcBef>
+                <a:spcPts val="0"/>
+              </a:spcBef>
+              <a:spcAft>
+                <a:spcPts val="0"/>
+              </a:spcAft>
+              <a:buSzPts val="1400"/>
+              <a:buChar char="■"/>
+            </a:pPr>
+            <a:r>
+              <a:rPr lang="pt-BR" u="sng">
+                <a:solidFill>
+                  <a:schemeClr val="hlink"/>
+                </a:solidFill>
+                <a:latin typeface="Arial"/>
+                <a:ea typeface="Arial"/>
+                <a:cs typeface="Arial"/>
+                <a:sym typeface="Arial"/>
+                <a:hlinkClick r:id="rId3"/>
+              </a:rPr>
+              <a:t>https://data.fivethirtyeight.com/</a:t>
+            </a:r>
+            <a:endParaRPr/>
+          </a:p>
+          <a:p>
+            <a:pPr indent="-317500" lvl="2" marL="1371600" rtl="0" algn="l">
+              <a:spcBef>
+                <a:spcPts val="0"/>
+              </a:spcBef>
+              <a:spcAft>
+                <a:spcPts val="0"/>
+              </a:spcAft>
+              <a:buSzPts val="1400"/>
+              <a:buChar char="■"/>
+            </a:pPr>
+            <a:r>
+              <a:rPr lang="pt-BR" u="sng">
+                <a:solidFill>
+                  <a:schemeClr val="hlink"/>
+                </a:solidFill>
+                <a:latin typeface="Arial"/>
+                <a:ea typeface="Arial"/>
+                <a:cs typeface="Arial"/>
+                <a:sym typeface="Arial"/>
+                <a:hlinkClick r:id="rId4"/>
+              </a:rPr>
+              <a:t>https://github.com/fivethirtyeight/data</a:t>
+            </a:r>
+            <a:endParaRPr/>
+          </a:p>
+          <a:p>
+            <a:pPr indent="-317500" lvl="1" marL="914400" rtl="0" algn="l">
+              <a:spcBef>
+                <a:spcPts val="0"/>
+              </a:spcBef>
+              <a:spcAft>
+                <a:spcPts val="0"/>
+              </a:spcAft>
+              <a:buSzPts val="1400"/>
+              <a:buChar char="○"/>
+            </a:pPr>
+            <a:r>
+              <a:rPr lang="pt-BR"/>
+              <a:t>BuzzFeed</a:t>
+            </a:r>
+            <a:endParaRPr/>
+          </a:p>
+          <a:p>
+            <a:pPr indent="-317500" lvl="2" marL="1371600" rtl="0" algn="l">
+              <a:spcBef>
+                <a:spcPts val="0"/>
+              </a:spcBef>
+              <a:spcAft>
+                <a:spcPts val="0"/>
+              </a:spcAft>
+              <a:buSzPts val="1400"/>
+              <a:buChar char="■"/>
+            </a:pPr>
+            <a:r>
+              <a:rPr lang="pt-BR" u="sng">
+                <a:solidFill>
+                  <a:schemeClr val="hlink"/>
+                </a:solidFill>
+                <a:latin typeface="Arial"/>
+                <a:ea typeface="Arial"/>
+                <a:cs typeface="Arial"/>
+                <a:sym typeface="Arial"/>
+                <a:hlinkClick r:id="rId5"/>
+              </a:rPr>
+              <a:t>https://github.com/BuzzFeedNews/everything</a:t>
+            </a:r>
+            <a:endParaRPr/>
+          </a:p>
+          <a:p>
+            <a:pPr indent="-317500" lvl="1" marL="914400" rtl="0" algn="l">
+              <a:spcBef>
+                <a:spcPts val="0"/>
+              </a:spcBef>
+              <a:spcAft>
+                <a:spcPts val="0"/>
+              </a:spcAft>
+              <a:buSzPts val="1400"/>
+              <a:buChar char="○"/>
+            </a:pPr>
+            <a:r>
+              <a:rPr lang="pt-BR"/>
+              <a:t>Data.gov</a:t>
+            </a:r>
+            <a:endParaRPr/>
+          </a:p>
+          <a:p>
+            <a:pPr indent="-317500" lvl="2" marL="1371600" rtl="0" algn="l">
+              <a:spcBef>
+                <a:spcPts val="0"/>
+              </a:spcBef>
+              <a:spcAft>
+                <a:spcPts val="0"/>
+              </a:spcAft>
+              <a:buSzPts val="1400"/>
+              <a:buChar char="■"/>
+            </a:pPr>
+            <a:r>
+              <a:rPr lang="pt-BR" u="sng">
+                <a:solidFill>
+                  <a:schemeClr val="hlink"/>
+                </a:solidFill>
+                <a:latin typeface="Arial"/>
+                <a:ea typeface="Arial"/>
+                <a:cs typeface="Arial"/>
+                <a:sym typeface="Arial"/>
+                <a:hlinkClick r:id="rId6"/>
+              </a:rPr>
+              <a:t>https://www.data.gov/</a:t>
+            </a:r>
+            <a:endParaRPr/>
+          </a:p>
+          <a:p>
+            <a:pPr indent="-317500" lvl="1" marL="914400" rtl="0" algn="l">
+              <a:spcBef>
+                <a:spcPts val="0"/>
+              </a:spcBef>
+              <a:spcAft>
+                <a:spcPts val="0"/>
+              </a:spcAft>
+              <a:buSzPts val="1400"/>
+              <a:buChar char="○"/>
+            </a:pPr>
+            <a:r>
+              <a:rPr lang="pt-BR"/>
+              <a:t>Kaggle</a:t>
+            </a:r>
+            <a:endParaRPr/>
+          </a:p>
+          <a:p>
+            <a:pPr indent="-317500" lvl="2" marL="1371600" rtl="0" algn="l">
+              <a:spcBef>
+                <a:spcPts val="0"/>
+              </a:spcBef>
+              <a:spcAft>
+                <a:spcPts val="0"/>
+              </a:spcAft>
+              <a:buSzPts val="1400"/>
+              <a:buChar char="■"/>
+            </a:pPr>
+            <a:r>
+              <a:rPr lang="pt-BR" u="sng">
+                <a:solidFill>
+                  <a:schemeClr val="accent5"/>
+                </a:solidFill>
+                <a:hlinkClick r:id="rId7"/>
+              </a:rPr>
+              <a:t>https://www.kaggle.com/datasets</a:t>
+            </a:r>
+            <a:endParaRPr/>
+          </a:p>
+          <a:p>
+            <a:pPr indent="-317500" lvl="1" marL="914400" rtl="0" algn="l">
+              <a:spcBef>
+                <a:spcPts val="0"/>
+              </a:spcBef>
+              <a:spcAft>
+                <a:spcPts val="0"/>
+              </a:spcAft>
+              <a:buSzPts val="1400"/>
+              <a:buChar char="○"/>
+            </a:pPr>
+            <a:r>
+              <a:rPr lang="pt-BR"/>
+              <a:t>UCI</a:t>
+            </a:r>
+            <a:endParaRPr/>
+          </a:p>
+          <a:p>
+            <a:pPr indent="-317500" lvl="2" marL="1371600" rtl="0" algn="l">
+              <a:spcBef>
+                <a:spcPts val="0"/>
+              </a:spcBef>
+              <a:spcAft>
+                <a:spcPts val="0"/>
+              </a:spcAft>
+              <a:buSzPts val="1400"/>
+              <a:buChar char="■"/>
+            </a:pPr>
+            <a:r>
+              <a:rPr lang="pt-BR" u="sng">
+                <a:solidFill>
+                  <a:schemeClr val="accent5"/>
+                </a:solidFill>
+                <a:latin typeface="Arial"/>
+                <a:ea typeface="Arial"/>
+                <a:cs typeface="Arial"/>
+                <a:sym typeface="Arial"/>
+                <a:hlinkClick r:id="rId8"/>
+              </a:rPr>
+              <a:t>https://archive.ics.uci.edu/ml/datasets.php</a:t>
+            </a:r>
+            <a:endParaRPr/>
+          </a:p>
+        </p:txBody>
+      </p:sp>
     </p:spTree>
   </p:cSld>
   <p:clrMapOvr>
@@ -22426,6 +23280,285 @@
 </file>
 
 <file path=ppt/theme/theme1.xml><?xml version="1.0" encoding="utf-8"?>
+<a:theme xmlns:a="http://schemas.openxmlformats.org/drawingml/2006/main" xmlns:r="http://schemas.openxmlformats.org/officeDocument/2006/relationships" name="Geometric">
+  <a:themeElements>
+    <a:clrScheme name="Geometric">
+      <a:dk1>
+        <a:srgbClr val="2A3990"/>
+      </a:dk1>
+      <a:lt1>
+        <a:srgbClr val="FFFFFF"/>
+      </a:lt1>
+      <a:dk2>
+        <a:srgbClr val="434343"/>
+      </a:dk2>
+      <a:lt2>
+        <a:srgbClr val="999999"/>
+      </a:lt2>
+      <a:accent1>
+        <a:srgbClr val="212D74"/>
+      </a:accent1>
+      <a:accent2>
+        <a:srgbClr val="3949AB"/>
+      </a:accent2>
+      <a:accent3>
+        <a:srgbClr val="9C254D"/>
+      </a:accent3>
+      <a:accent4>
+        <a:srgbClr val="D23369"/>
+      </a:accent4>
+      <a:accent5>
+        <a:srgbClr val="F06292"/>
+      </a:accent5>
+      <a:accent6>
+        <a:srgbClr val="7890CD"/>
+      </a:accent6>
+      <a:hlink>
+        <a:srgbClr val="F06292"/>
+      </a:hlink>
+      <a:folHlink>
+        <a:srgbClr val="F06292"/>
+      </a:folHlink>
+    </a:clrScheme>
+    <a:fontScheme name="Office">
+      <a:majorFont>
+        <a:latin typeface="Arial"/>
+        <a:ea typeface=""/>
+        <a:cs typeface=""/>
+        <a:font script="Jpan" typeface="ＭＳ Ｐゴシック"/>
+        <a:font script="Hang" typeface="맑은 고딕"/>
+        <a:font script="Hans" typeface="宋体"/>
+        <a:font script="Hant" typeface="新細明體"/>
+        <a:font script="Arab" typeface="Times New Roman"/>
+        <a:font script="Hebr" typeface="Times New Roman"/>
+        <a:font script="Thai" typeface="Angsana New"/>
+        <a:font script="Ethi" typeface="Nyala"/>
+        <a:font script="Beng" typeface="Vrinda"/>
+        <a:font script="Gujr" typeface="Shruti"/>
+        <a:font script="Khmr" typeface="MoolBoran"/>
+        <a:font script="Knda" typeface="Tunga"/>
+        <a:font script="Guru" typeface="Raavi"/>
+        <a:font script="Cans" typeface="Euphemia"/>
+        <a:font script="Cher" typeface="Plantagenet Cherokee"/>
+        <a:font script="Yiii" typeface="Microsoft Yi Baiti"/>
+        <a:font script="Tibt" typeface="Microsoft Himalaya"/>
+        <a:font script="Thaa" typeface="MV Boli"/>
+        <a:font script="Deva" typeface="Mangal"/>
+        <a:font script="Telu" typeface="Gautami"/>
+        <a:font script="Taml" typeface="Latha"/>
+        <a:font script="Syrc" typeface="Estrangelo Edessa"/>
+        <a:font script="Orya" typeface="Kalinga"/>
+        <a:font script="Mlym" typeface="Kartika"/>
+        <a:font script="Laoo" typeface="DokChampa"/>
+        <a:font script="Sinh" typeface="Iskoola Pota"/>
+        <a:font script="Mong" typeface="Mongolian Baiti"/>
+        <a:font script="Viet" typeface="Times New Roman"/>
+        <a:font script="Uigh" typeface="Microsoft Uighur"/>
+        <a:font script="Geor" typeface="Sylfaen"/>
+      </a:majorFont>
+      <a:minorFont>
+        <a:latin typeface="Arial"/>
+        <a:ea typeface=""/>
+        <a:cs typeface=""/>
+        <a:font script="Jpan" typeface="ＭＳ Ｐゴシック"/>
+        <a:font script="Hang" typeface="맑은 고딕"/>
+        <a:font script="Hans" typeface="宋体"/>
+        <a:font script="Hant" typeface="新細明體"/>
+        <a:font script="Arab" typeface="Arial"/>
+        <a:font script="Hebr" typeface="Arial"/>
+        <a:font script="Thai" typeface="Cordia New"/>
+        <a:font script="Ethi" typeface="Nyala"/>
+        <a:font script="Beng" typeface="Vrinda"/>
+        <a:font script="Gujr" typeface="Shruti"/>
+        <a:font script="Khmr" typeface="DaunPenh"/>
+        <a:font script="Knda" typeface="Tunga"/>
+        <a:font script="Guru" typeface="Raavi"/>
+        <a:font script="Cans" typeface="Euphemia"/>
+        <a:font script="Cher" typeface="Plantagenet Cherokee"/>
+        <a:font script="Yiii" typeface="Microsoft Yi Baiti"/>
+        <a:font script="Tibt" typeface="Microsoft Himalaya"/>
+        <a:font script="Thaa" typeface="MV Boli"/>
+        <a:font script="Deva" typeface="Mangal"/>
+        <a:font script="Telu" typeface="Gautami"/>
+        <a:font script="Taml" typeface="Latha"/>
+        <a:font script="Syrc" typeface="Estrangelo Edessa"/>
+        <a:font script="Orya" typeface="Kalinga"/>
+        <a:font script="Mlym" typeface="Kartika"/>
+        <a:font script="Laoo" typeface="DokChampa"/>
+        <a:font script="Sinh" typeface="Iskoola Pota"/>
+        <a:font script="Mong" typeface="Mongolian Baiti"/>
+        <a:font script="Viet" typeface="Arial"/>
+        <a:font script="Uigh" typeface="Microsoft Uighur"/>
+        <a:font script="Geor" typeface="Sylfaen"/>
+      </a:minorFont>
+    </a:fontScheme>
+    <a:fmtScheme name="Office">
+      <a:fillStyleLst>
+        <a:solidFill>
+          <a:schemeClr val="phClr"/>
+        </a:solidFill>
+        <a:gradFill rotWithShape="1">
+          <a:gsLst>
+            <a:gs pos="0">
+              <a:schemeClr val="phClr">
+                <a:tint val="50000"/>
+                <a:satMod val="300000"/>
+              </a:schemeClr>
+            </a:gs>
+            <a:gs pos="35000">
+              <a:schemeClr val="phClr">
+                <a:tint val="37000"/>
+                <a:satMod val="300000"/>
+              </a:schemeClr>
+            </a:gs>
+            <a:gs pos="100000">
+              <a:schemeClr val="phClr">
+                <a:tint val="15000"/>
+                <a:satMod val="350000"/>
+              </a:schemeClr>
+            </a:gs>
+          </a:gsLst>
+          <a:lin ang="16200000" scaled="1"/>
+        </a:gradFill>
+        <a:gradFill rotWithShape="1">
+          <a:gsLst>
+            <a:gs pos="0">
+              <a:schemeClr val="phClr">
+                <a:tint val="100000"/>
+                <a:shade val="100000"/>
+                <a:satMod val="130000"/>
+              </a:schemeClr>
+            </a:gs>
+            <a:gs pos="100000">
+              <a:schemeClr val="phClr">
+                <a:tint val="50000"/>
+                <a:shade val="100000"/>
+                <a:satMod val="350000"/>
+              </a:schemeClr>
+            </a:gs>
+          </a:gsLst>
+          <a:lin ang="16200000" scaled="0"/>
+        </a:gradFill>
+      </a:fillStyleLst>
+      <a:lnStyleLst>
+        <a:ln w="9525" cap="flat" cmpd="sng" algn="ctr">
+          <a:solidFill>
+            <a:schemeClr val="phClr">
+              <a:shade val="95000"/>
+              <a:satMod val="105000"/>
+            </a:schemeClr>
+          </a:solidFill>
+          <a:prstDash val="solid"/>
+        </a:ln>
+        <a:ln w="25400" cap="flat" cmpd="sng" algn="ctr">
+          <a:solidFill>
+            <a:schemeClr val="phClr"/>
+          </a:solidFill>
+          <a:prstDash val="solid"/>
+        </a:ln>
+        <a:ln w="38100" cap="flat" cmpd="sng" algn="ctr">
+          <a:solidFill>
+            <a:schemeClr val="phClr"/>
+          </a:solidFill>
+          <a:prstDash val="solid"/>
+        </a:ln>
+      </a:lnStyleLst>
+      <a:effectStyleLst>
+        <a:effectStyle>
+          <a:effectLst>
+            <a:outerShdw blurRad="40000" dist="20000" dir="5400000" rotWithShape="0">
+              <a:srgbClr val="000000">
+                <a:alpha val="38000"/>
+              </a:srgbClr>
+            </a:outerShdw>
+          </a:effectLst>
+        </a:effectStyle>
+        <a:effectStyle>
+          <a:effectLst>
+            <a:outerShdw blurRad="40000" dist="23000" dir="5400000" rotWithShape="0">
+              <a:srgbClr val="000000">
+                <a:alpha val="35000"/>
+              </a:srgbClr>
+            </a:outerShdw>
+          </a:effectLst>
+        </a:effectStyle>
+        <a:effectStyle>
+          <a:effectLst>
+            <a:outerShdw blurRad="40000" dist="23000" dir="5400000" rotWithShape="0">
+              <a:srgbClr val="000000">
+                <a:alpha val="35000"/>
+              </a:srgbClr>
+            </a:outerShdw>
+          </a:effectLst>
+          <a:scene3d>
+            <a:camera prst="orthographicFront">
+              <a:rot lat="0" lon="0" rev="0"/>
+            </a:camera>
+            <a:lightRig rig="threePt" dir="t">
+              <a:rot lat="0" lon="0" rev="1200000"/>
+            </a:lightRig>
+          </a:scene3d>
+          <a:sp3d>
+            <a:bevelT w="63500" h="25400"/>
+          </a:sp3d>
+        </a:effectStyle>
+      </a:effectStyleLst>
+      <a:bgFillStyleLst>
+        <a:solidFill>
+          <a:schemeClr val="phClr"/>
+        </a:solidFill>
+        <a:gradFill rotWithShape="1">
+          <a:gsLst>
+            <a:gs pos="0">
+              <a:schemeClr val="phClr">
+                <a:tint val="40000"/>
+                <a:satMod val="350000"/>
+              </a:schemeClr>
+            </a:gs>
+            <a:gs pos="40000">
+              <a:schemeClr val="phClr">
+                <a:tint val="45000"/>
+                <a:shade val="99000"/>
+                <a:satMod val="350000"/>
+              </a:schemeClr>
+            </a:gs>
+            <a:gs pos="100000">
+              <a:schemeClr val="phClr">
+                <a:shade val="20000"/>
+                <a:satMod val="255000"/>
+              </a:schemeClr>
+            </a:gs>
+          </a:gsLst>
+          <a:path path="circle">
+            <a:fillToRect l="50000" t="-80000" r="50000" b="180000"/>
+          </a:path>
+        </a:gradFill>
+        <a:gradFill rotWithShape="1">
+          <a:gsLst>
+            <a:gs pos="0">
+              <a:schemeClr val="phClr">
+                <a:tint val="80000"/>
+                <a:satMod val="300000"/>
+              </a:schemeClr>
+            </a:gs>
+            <a:gs pos="100000">
+              <a:schemeClr val="phClr">
+                <a:shade val="30000"/>
+                <a:satMod val="200000"/>
+              </a:schemeClr>
+            </a:gs>
+          </a:gsLst>
+          <a:path path="circle">
+            <a:fillToRect l="50000" t="50000" r="50000" b="50000"/>
+          </a:path>
+        </a:gradFill>
+      </a:bgFillStyleLst>
+    </a:fmtScheme>
+  </a:themeElements>
+</a:theme>
+</file>
+
+<file path=ppt/theme/theme2.xml><?xml version="1.0" encoding="utf-8"?>
 <a:theme xmlns:a="http://schemas.openxmlformats.org/drawingml/2006/main" xmlns:r="http://schemas.openxmlformats.org/officeDocument/2006/relationships">
   <a:themeElements>
     <a:clrScheme name="Default">
@@ -22702,283 +23835,4 @@
     </a:fmtScheme>
   </a:themeElements>
 </a:theme>
-</file>
-
-<file path=ppt/theme/theme2.xml><?xml version="1.0" encoding="utf-8"?>
-<a:theme xmlns:a="http://schemas.openxmlformats.org/drawingml/2006/main" xmlns:r="http://schemas.openxmlformats.org/officeDocument/2006/relationships" name="Geometric">
-  <a:themeElements>
-    <a:clrScheme name="Geometric">
-      <a:dk1>
-        <a:srgbClr val="2A3990"/>
-      </a:dk1>
-      <a:lt1>
-        <a:srgbClr val="FFFFFF"/>
-      </a:lt1>
-      <a:dk2>
-        <a:srgbClr val="434343"/>
-      </a:dk2>
-      <a:lt2>
-        <a:srgbClr val="999999"/>
-      </a:lt2>
-      <a:accent1>
-        <a:srgbClr val="212D74"/>
-      </a:accent1>
-      <a:accent2>
-        <a:srgbClr val="3949AB"/>
-      </a:accent2>
-      <a:accent3>
-        <a:srgbClr val="9C254D"/>
-      </a:accent3>
-      <a:accent4>
-        <a:srgbClr val="D23369"/>
-      </a:accent4>
-      <a:accent5>
-        <a:srgbClr val="F06292"/>
-      </a:accent5>
-      <a:accent6>
-        <a:srgbClr val="7890CD"/>
-      </a:accent6>
-      <a:hlink>
-        <a:srgbClr val="F06292"/>
-      </a:hlink>
-      <a:folHlink>
-        <a:srgbClr val="F06292"/>
-      </a:folHlink>
-    </a:clrScheme>
-    <a:fontScheme name="Office">
-      <a:majorFont>
-        <a:latin typeface="Arial"/>
-        <a:ea typeface=""/>
-        <a:cs typeface=""/>
-        <a:font script="Jpan" typeface="ＭＳ Ｐゴシック"/>
-        <a:font script="Hang" typeface="맑은 고딕"/>
-        <a:font script="Hans" typeface="宋体"/>
-        <a:font script="Hant" typeface="新細明體"/>
-        <a:font script="Arab" typeface="Times New Roman"/>
-        <a:font script="Hebr" typeface="Times New Roman"/>
-        <a:font script="Thai" typeface="Angsana New"/>
-        <a:font script="Ethi" typeface="Nyala"/>
-        <a:font script="Beng" typeface="Vrinda"/>
-        <a:font script="Gujr" typeface="Shruti"/>
-        <a:font script="Khmr" typeface="MoolBoran"/>
-        <a:font script="Knda" typeface="Tunga"/>
-        <a:font script="Guru" typeface="Raavi"/>
-        <a:font script="Cans" typeface="Euphemia"/>
-        <a:font script="Cher" typeface="Plantagenet Cherokee"/>
-        <a:font script="Yiii" typeface="Microsoft Yi Baiti"/>
-        <a:font script="Tibt" typeface="Microsoft Himalaya"/>
-        <a:font script="Thaa" typeface="MV Boli"/>
-        <a:font script="Deva" typeface="Mangal"/>
-        <a:font script="Telu" typeface="Gautami"/>
-        <a:font script="Taml" typeface="Latha"/>
-        <a:font script="Syrc" typeface="Estrangelo Edessa"/>
-        <a:font script="Orya" typeface="Kalinga"/>
-        <a:font script="Mlym" typeface="Kartika"/>
-        <a:font script="Laoo" typeface="DokChampa"/>
-        <a:font script="Sinh" typeface="Iskoola Pota"/>
-        <a:font script="Mong" typeface="Mongolian Baiti"/>
-        <a:font script="Viet" typeface="Times New Roman"/>
-        <a:font script="Uigh" typeface="Microsoft Uighur"/>
-        <a:font script="Geor" typeface="Sylfaen"/>
-      </a:majorFont>
-      <a:minorFont>
-        <a:latin typeface="Arial"/>
-        <a:ea typeface=""/>
-        <a:cs typeface=""/>
-        <a:font script="Jpan" typeface="ＭＳ Ｐゴシック"/>
-        <a:font script="Hang" typeface="맑은 고딕"/>
-        <a:font script="Hans" typeface="宋体"/>
-        <a:font script="Hant" typeface="新細明體"/>
-        <a:font script="Arab" typeface="Arial"/>
-        <a:font script="Hebr" typeface="Arial"/>
-        <a:font script="Thai" typeface="Cordia New"/>
-        <a:font script="Ethi" typeface="Nyala"/>
-        <a:font script="Beng" typeface="Vrinda"/>
-        <a:font script="Gujr" typeface="Shruti"/>
-        <a:font script="Khmr" typeface="DaunPenh"/>
-        <a:font script="Knda" typeface="Tunga"/>
-        <a:font script="Guru" typeface="Raavi"/>
-        <a:font script="Cans" typeface="Euphemia"/>
-        <a:font script="Cher" typeface="Plantagenet Cherokee"/>
-        <a:font script="Yiii" typeface="Microsoft Yi Baiti"/>
-        <a:font script="Tibt" typeface="Microsoft Himalaya"/>
-        <a:font script="Thaa" typeface="MV Boli"/>
-        <a:font script="Deva" typeface="Mangal"/>
-        <a:font script="Telu" typeface="Gautami"/>
-        <a:font script="Taml" typeface="Latha"/>
-        <a:font script="Syrc" typeface="Estrangelo Edessa"/>
-        <a:font script="Orya" typeface="Kalinga"/>
-        <a:font script="Mlym" typeface="Kartika"/>
-        <a:font script="Laoo" typeface="DokChampa"/>
-        <a:font script="Sinh" typeface="Iskoola Pota"/>
-        <a:font script="Mong" typeface="Mongolian Baiti"/>
-        <a:font script="Viet" typeface="Arial"/>
-        <a:font script="Uigh" typeface="Microsoft Uighur"/>
-        <a:font script="Geor" typeface="Sylfaen"/>
-      </a:minorFont>
-    </a:fontScheme>
-    <a:fmtScheme name="Office">
-      <a:fillStyleLst>
-        <a:solidFill>
-          <a:schemeClr val="phClr"/>
-        </a:solidFill>
-        <a:gradFill rotWithShape="1">
-          <a:gsLst>
-            <a:gs pos="0">
-              <a:schemeClr val="phClr">
-                <a:tint val="50000"/>
-                <a:satMod val="300000"/>
-              </a:schemeClr>
-            </a:gs>
-            <a:gs pos="35000">
-              <a:schemeClr val="phClr">
-                <a:tint val="37000"/>
-                <a:satMod val="300000"/>
-              </a:schemeClr>
-            </a:gs>
-            <a:gs pos="100000">
-              <a:schemeClr val="phClr">
-                <a:tint val="15000"/>
-                <a:satMod val="350000"/>
-              </a:schemeClr>
-            </a:gs>
-          </a:gsLst>
-          <a:lin ang="16200000" scaled="1"/>
-        </a:gradFill>
-        <a:gradFill rotWithShape="1">
-          <a:gsLst>
-            <a:gs pos="0">
-              <a:schemeClr val="phClr">
-                <a:tint val="100000"/>
-                <a:shade val="100000"/>
-                <a:satMod val="130000"/>
-              </a:schemeClr>
-            </a:gs>
-            <a:gs pos="100000">
-              <a:schemeClr val="phClr">
-                <a:tint val="50000"/>
-                <a:shade val="100000"/>
-                <a:satMod val="350000"/>
-              </a:schemeClr>
-            </a:gs>
-          </a:gsLst>
-          <a:lin ang="16200000" scaled="0"/>
-        </a:gradFill>
-      </a:fillStyleLst>
-      <a:lnStyleLst>
-        <a:ln w="9525" cap="flat" cmpd="sng" algn="ctr">
-          <a:solidFill>
-            <a:schemeClr val="phClr">
-              <a:shade val="95000"/>
-              <a:satMod val="105000"/>
-            </a:schemeClr>
-          </a:solidFill>
-          <a:prstDash val="solid"/>
-        </a:ln>
-        <a:ln w="25400" cap="flat" cmpd="sng" algn="ctr">
-          <a:solidFill>
-            <a:schemeClr val="phClr"/>
-          </a:solidFill>
-          <a:prstDash val="solid"/>
-        </a:ln>
-        <a:ln w="38100" cap="flat" cmpd="sng" algn="ctr">
-          <a:solidFill>
-            <a:schemeClr val="phClr"/>
-          </a:solidFill>
-          <a:prstDash val="solid"/>
-        </a:ln>
-      </a:lnStyleLst>
-      <a:effectStyleLst>
-        <a:effectStyle>
-          <a:effectLst>
-            <a:outerShdw blurRad="40000" dist="20000" dir="5400000" rotWithShape="0">
-              <a:srgbClr val="000000">
-                <a:alpha val="38000"/>
-              </a:srgbClr>
-            </a:outerShdw>
-          </a:effectLst>
-        </a:effectStyle>
-        <a:effectStyle>
-          <a:effectLst>
-            <a:outerShdw blurRad="40000" dist="23000" dir="5400000" rotWithShape="0">
-              <a:srgbClr val="000000">
-                <a:alpha val="35000"/>
-              </a:srgbClr>
-            </a:outerShdw>
-          </a:effectLst>
-        </a:effectStyle>
-        <a:effectStyle>
-          <a:effectLst>
-            <a:outerShdw blurRad="40000" dist="23000" dir="5400000" rotWithShape="0">
-              <a:srgbClr val="000000">
-                <a:alpha val="35000"/>
-              </a:srgbClr>
-            </a:outerShdw>
-          </a:effectLst>
-          <a:scene3d>
-            <a:camera prst="orthographicFront">
-              <a:rot lat="0" lon="0" rev="0"/>
-            </a:camera>
-            <a:lightRig rig="threePt" dir="t">
-              <a:rot lat="0" lon="0" rev="1200000"/>
-            </a:lightRig>
-          </a:scene3d>
-          <a:sp3d>
-            <a:bevelT w="63500" h="25400"/>
-          </a:sp3d>
-        </a:effectStyle>
-      </a:effectStyleLst>
-      <a:bgFillStyleLst>
-        <a:solidFill>
-          <a:schemeClr val="phClr"/>
-        </a:solidFill>
-        <a:gradFill rotWithShape="1">
-          <a:gsLst>
-            <a:gs pos="0">
-              <a:schemeClr val="phClr">
-                <a:tint val="40000"/>
-                <a:satMod val="350000"/>
-              </a:schemeClr>
-            </a:gs>
-            <a:gs pos="40000">
-              <a:schemeClr val="phClr">
-                <a:tint val="45000"/>
-                <a:shade val="99000"/>
-                <a:satMod val="350000"/>
-              </a:schemeClr>
-            </a:gs>
-            <a:gs pos="100000">
-              <a:schemeClr val="phClr">
-                <a:shade val="20000"/>
-                <a:satMod val="255000"/>
-              </a:schemeClr>
-            </a:gs>
-          </a:gsLst>
-          <a:path path="circle">
-            <a:fillToRect l="50000" t="-80000" r="50000" b="180000"/>
-          </a:path>
-        </a:gradFill>
-        <a:gradFill rotWithShape="1">
-          <a:gsLst>
-            <a:gs pos="0">
-              <a:schemeClr val="phClr">
-                <a:tint val="80000"/>
-                <a:satMod val="300000"/>
-              </a:schemeClr>
-            </a:gs>
-            <a:gs pos="100000">
-              <a:schemeClr val="phClr">
-                <a:shade val="30000"/>
-                <a:satMod val="200000"/>
-              </a:schemeClr>
-            </a:gs>
-          </a:gsLst>
-          <a:path path="circle">
-            <a:fillToRect l="50000" t="50000" r="50000" b="50000"/>
-          </a:path>
-        </a:gradFill>
-      </a:bgFillStyleLst>
-    </a:fmtScheme>
-  </a:themeElements>
-</a:theme>
 </file>
--- a/DeepLearning-Sebratec-S02.pptx
+++ b/DeepLearning-Sebratec-S02.pptx
@@ -11706,16 +11706,8 @@
               <a:buNone/>
             </a:pPr>
             <a:r>
-              <a:rPr lang="pt-BR" sz="2100">
-                <a:solidFill>
-                  <a:schemeClr val="lt1"/>
-                </a:solidFill>
-                <a:latin typeface="Roboto"/>
-                <a:ea typeface="Roboto"/>
-                <a:cs typeface="Roboto"/>
-                <a:sym typeface="Roboto"/>
-              </a:rPr>
-              <a:t>Introduction to Deep Learning</a:t>
+              <a:rPr lang="pt-BR"/>
+              <a:t>Basic Models</a:t>
             </a:r>
             <a:endParaRPr/>
           </a:p>
@@ -13706,8 +13698,8 @@
         </p:blipFill>
         <p:spPr>
           <a:xfrm>
-            <a:off x="1564100" y="2571747"/>
-            <a:ext cx="6015789" cy="1080000"/>
+            <a:off x="1633650" y="2571751"/>
+            <a:ext cx="5876712" cy="1080000"/>
           </a:xfrm>
           <a:prstGeom prst="rect">
             <a:avLst/>
